--- a/LCC/Python/00b_Python簡介.pptx
+++ b/LCC/Python/00b_Python簡介.pptx
@@ -25,9 +25,10 @@
     <p:sldId id="272" r:id="rId19"/>
     <p:sldId id="274" r:id="rId20"/>
     <p:sldId id="273" r:id="rId21"/>
-    <p:sldId id="267" r:id="rId22"/>
-    <p:sldId id="275" r:id="rId23"/>
-    <p:sldId id="276" r:id="rId24"/>
+    <p:sldId id="279" r:id="rId22"/>
+    <p:sldId id="267" r:id="rId23"/>
+    <p:sldId id="275" r:id="rId24"/>
+    <p:sldId id="276" r:id="rId25"/>
   </p:sldIdLst>
   <p:sldSz cx="12192000" cy="6858000"/>
   <p:notesSz cx="6858000" cy="9144000"/>
@@ -891,7 +892,7 @@
             <a:fld id="{B61BEF0D-F0BB-DE4B-95CE-6DB70DBA9567}" type="datetimeFigureOut">
               <a:rPr lang="en-US" smtClean="0"/>
               <a:pPr/>
-              <a:t>12/30/2020</a:t>
+              <a:t>5/29/2021</a:t>
             </a:fld>
             <a:endParaRPr lang="en-US" dirty="0"/>
           </a:p>
@@ -1144,7 +1145,7 @@
             <a:fld id="{B61BEF0D-F0BB-DE4B-95CE-6DB70DBA9567}" type="datetimeFigureOut">
               <a:rPr lang="en-US" smtClean="0"/>
               <a:pPr/>
-              <a:t>12/30/2020</a:t>
+              <a:t>5/29/2021</a:t>
             </a:fld>
             <a:endParaRPr lang="en-US" dirty="0"/>
           </a:p>
@@ -1460,7 +1461,7 @@
             <a:fld id="{B61BEF0D-F0BB-DE4B-95CE-6DB70DBA9567}" type="datetimeFigureOut">
               <a:rPr lang="en-US" smtClean="0"/>
               <a:pPr/>
-              <a:t>12/30/2020</a:t>
+              <a:t>5/29/2021</a:t>
             </a:fld>
             <a:endParaRPr lang="en-US" dirty="0"/>
           </a:p>
@@ -1795,7 +1796,7 @@
             <a:fld id="{B61BEF0D-F0BB-DE4B-95CE-6DB70DBA9567}" type="datetimeFigureOut">
               <a:rPr lang="en-US" smtClean="0"/>
               <a:pPr/>
-              <a:t>12/30/2020</a:t>
+              <a:t>5/29/2021</a:t>
             </a:fld>
             <a:endParaRPr lang="en-US" dirty="0"/>
           </a:p>
@@ -2111,7 +2112,7 @@
             <a:fld id="{B61BEF0D-F0BB-DE4B-95CE-6DB70DBA9567}" type="datetimeFigureOut">
               <a:rPr lang="en-US" smtClean="0"/>
               <a:pPr/>
-              <a:t>12/30/2020</a:t>
+              <a:t>5/29/2021</a:t>
             </a:fld>
             <a:endParaRPr lang="en-US" dirty="0"/>
           </a:p>
@@ -2506,7 +2507,7 @@
             <a:fld id="{B61BEF0D-F0BB-DE4B-95CE-6DB70DBA9567}" type="datetimeFigureOut">
               <a:rPr lang="en-US" smtClean="0"/>
               <a:pPr/>
-              <a:t>12/30/2020</a:t>
+              <a:t>5/29/2021</a:t>
             </a:fld>
             <a:endParaRPr lang="en-US" dirty="0"/>
           </a:p>
@@ -2677,7 +2678,7 @@
           <a:p>
             <a:fld id="{55C6B4A9-1611-4792-9094-5F34BCA07E0B}" type="datetimeFigureOut">
               <a:rPr lang="en-US" smtClean="0"/>
-              <a:t>12/30/2020</a:t>
+              <a:t>5/29/2021</a:t>
             </a:fld>
             <a:endParaRPr lang="en-US" dirty="0"/>
           </a:p>
@@ -2858,7 +2859,7 @@
             <a:fld id="{B61BEF0D-F0BB-DE4B-95CE-6DB70DBA9567}" type="datetimeFigureOut">
               <a:rPr lang="en-US" smtClean="0"/>
               <a:pPr/>
-              <a:t>12/30/2020</a:t>
+              <a:t>5/29/2021</a:t>
             </a:fld>
             <a:endParaRPr lang="en-US" dirty="0"/>
           </a:p>
@@ -3030,7 +3031,7 @@
             <a:fld id="{B61BEF0D-F0BB-DE4B-95CE-6DB70DBA9567}" type="datetimeFigureOut">
               <a:rPr lang="en-US" smtClean="0"/>
               <a:pPr/>
-              <a:t>12/30/2020</a:t>
+              <a:t>5/29/2021</a:t>
             </a:fld>
             <a:endParaRPr lang="en-US" dirty="0"/>
           </a:p>
@@ -3279,7 +3280,7 @@
             <a:fld id="{B61BEF0D-F0BB-DE4B-95CE-6DB70DBA9567}" type="datetimeFigureOut">
               <a:rPr lang="en-US" smtClean="0"/>
               <a:pPr/>
-              <a:t>12/30/2020</a:t>
+              <a:t>5/29/2021</a:t>
             </a:fld>
             <a:endParaRPr lang="en-US" dirty="0"/>
           </a:p>
@@ -3512,7 +3513,7 @@
           <a:p>
             <a:fld id="{EB712588-04B1-427B-82EE-E8DB90309F08}" type="datetimeFigureOut">
               <a:rPr lang="en-US" smtClean="0"/>
-              <a:t>12/30/2020</a:t>
+              <a:t>5/29/2021</a:t>
             </a:fld>
             <a:endParaRPr lang="en-US" dirty="0"/>
           </a:p>
@@ -3887,7 +3888,7 @@
             <a:fld id="{B61BEF0D-F0BB-DE4B-95CE-6DB70DBA9567}" type="datetimeFigureOut">
               <a:rPr lang="en-US" smtClean="0"/>
               <a:pPr/>
-              <a:t>12/30/2020</a:t>
+              <a:t>5/29/2021</a:t>
             </a:fld>
             <a:endParaRPr lang="en-US" dirty="0"/>
           </a:p>
@@ -4012,7 +4013,7 @@
             <a:fld id="{B61BEF0D-F0BB-DE4B-95CE-6DB70DBA9567}" type="datetimeFigureOut">
               <a:rPr lang="en-US" smtClean="0"/>
               <a:pPr/>
-              <a:t>12/30/2020</a:t>
+              <a:t>5/29/2021</a:t>
             </a:fld>
             <a:endParaRPr lang="en-US" dirty="0"/>
           </a:p>
@@ -4109,7 +4110,7 @@
             <a:fld id="{B61BEF0D-F0BB-DE4B-95CE-6DB70DBA9567}" type="datetimeFigureOut">
               <a:rPr lang="en-US" smtClean="0"/>
               <a:pPr/>
-              <a:t>12/30/2020</a:t>
+              <a:t>5/29/2021</a:t>
             </a:fld>
             <a:endParaRPr lang="en-US" dirty="0"/>
           </a:p>
@@ -4365,7 +4366,7 @@
           <a:p>
             <a:fld id="{42A54C80-263E-416B-A8E0-580EDEADCBDC}" type="datetimeFigureOut">
               <a:rPr lang="en-US" smtClean="0"/>
-              <a:t>12/30/2020</a:t>
+              <a:t>5/29/2021</a:t>
             </a:fld>
             <a:endParaRPr lang="en-US" dirty="0"/>
           </a:p>
@@ -4672,7 +4673,7 @@
             <a:fld id="{B61BEF0D-F0BB-DE4B-95CE-6DB70DBA9567}" type="datetimeFigureOut">
               <a:rPr lang="en-US" smtClean="0"/>
               <a:pPr/>
-              <a:t>12/30/2020</a:t>
+              <a:t>5/29/2021</a:t>
             </a:fld>
             <a:endParaRPr lang="en-US" dirty="0"/>
           </a:p>
@@ -5375,7 +5376,7 @@
             <a:fld id="{B61BEF0D-F0BB-DE4B-95CE-6DB70DBA9567}" type="datetimeFigureOut">
               <a:rPr lang="en-US" smtClean="0"/>
               <a:pPr/>
-              <a:t>12/30/2020</a:t>
+              <a:t>5/29/2021</a:t>
             </a:fld>
             <a:endParaRPr lang="en-US" dirty="0"/>
           </a:p>
@@ -5986,7 +5987,7 @@
           <a:p>
             <a:fld id="{F45BEF4E-E6DA-4F2D-99A2-66E946C36785}" type="datetime4">
               <a:rPr lang="zh-TW" altLang="zh-TW"/>
-              <a:t>109年12月30日星期三</a:t>
+              <a:t>110年5月29日星期六</a:t>
             </a:fld>
             <a:endParaRPr lang="zh-TW" altLang="en-US" dirty="0"/>
           </a:p>
@@ -6031,6 +6032,68 @@
               </a14:hiddenFill>
             </a:ext>
           </a:extLst>
+        </p:spPr>
+      </p:pic>
+      <p:sp>
+        <p:nvSpPr>
+          <p:cNvPr id="5" name="文字方塊 4"/>
+          <p:cNvSpPr txBox="1"/>
+          <p:nvPr/>
+        </p:nvSpPr>
+        <p:spPr>
+          <a:xfrm>
+            <a:off x="393192" y="5622198"/>
+            <a:ext cx="4647426" cy="369332"/>
+          </a:xfrm>
+          <a:prstGeom prst="rect">
+            <a:avLst/>
+          </a:prstGeom>
+          <a:noFill/>
+        </p:spPr>
+        <p:txBody>
+          <a:bodyPr wrap="none" rtlCol="0">
+            <a:spAutoFit/>
+          </a:bodyPr>
+          <a:lstStyle/>
+          <a:p>
+            <a:r>
+              <a:rPr lang="zh-TW" altLang="en-US" dirty="0" smtClean="0"/>
+              <a:t>投影片下載網址：</a:t>
+            </a:r>
+            <a:r>
+              <a:rPr lang="en-US" altLang="zh-TW" dirty="0"/>
+              <a:t>https://</a:t>
+            </a:r>
+            <a:r>
+              <a:rPr lang="en-US" altLang="zh-TW" dirty="0" smtClean="0"/>
+              <a:t>reurl.cc/Dg9Edm</a:t>
+            </a:r>
+            <a:endParaRPr lang="zh-TW" altLang="en-US" dirty="0"/>
+          </a:p>
+        </p:txBody>
+      </p:sp>
+      <p:pic>
+        <p:nvPicPr>
+          <p:cNvPr id="6" name="圖片 5"/>
+          <p:cNvPicPr>
+            <a:picLocks noChangeAspect="1"/>
+          </p:cNvPicPr>
+          <p:nvPr/>
+        </p:nvPicPr>
+        <p:blipFill>
+          <a:blip r:embed="rId3"/>
+          <a:stretch>
+            <a:fillRect/>
+          </a:stretch>
+        </p:blipFill>
+        <p:spPr>
+          <a:xfrm>
+            <a:off x="517017" y="4050833"/>
+            <a:ext cx="1428750" cy="1428750"/>
+          </a:xfrm>
+          <a:prstGeom prst="rect">
+            <a:avLst/>
+          </a:prstGeom>
         </p:spPr>
       </p:pic>
     </p:spTree>
@@ -8987,6 +9050,97 @@
       </p:grpSpPr>
       <p:sp>
         <p:nvSpPr>
+          <p:cNvPr id="4" name="標題 3"/>
+          <p:cNvSpPr>
+            <a:spLocks noGrp="1"/>
+          </p:cNvSpPr>
+          <p:nvPr>
+            <p:ph type="title"/>
+          </p:nvPr>
+        </p:nvSpPr>
+        <p:spPr/>
+        <p:txBody>
+          <a:bodyPr/>
+          <a:lstStyle/>
+          <a:p>
+            <a:r>
+              <a:rPr lang="zh-TW" altLang="en-US" dirty="0" smtClean="0"/>
+              <a:t>希望你會愛上</a:t>
+            </a:r>
+            <a:r>
+              <a:rPr lang="zh-TW" altLang="en-US" b="1" dirty="0" smtClean="0">
+                <a:solidFill>
+                  <a:srgbClr val="FF0000"/>
+                </a:solidFill>
+              </a:rPr>
+              <a:t>派桑</a:t>
+            </a:r>
+            <a:endParaRPr lang="zh-TW" altLang="en-US" b="1" dirty="0">
+              <a:solidFill>
+                <a:srgbClr val="FF0000"/>
+              </a:solidFill>
+            </a:endParaRPr>
+          </a:p>
+        </p:txBody>
+      </p:sp>
+      <p:sp>
+        <p:nvSpPr>
+          <p:cNvPr id="5" name="文字版面配置區 4"/>
+          <p:cNvSpPr>
+            <a:spLocks noGrp="1"/>
+          </p:cNvSpPr>
+          <p:nvPr>
+            <p:ph type="body" idx="1"/>
+          </p:nvPr>
+        </p:nvSpPr>
+        <p:spPr/>
+        <p:txBody>
+          <a:bodyPr/>
+          <a:lstStyle/>
+          <a:p>
+            <a:endParaRPr lang="zh-TW" altLang="en-US"/>
+          </a:p>
+        </p:txBody>
+      </p:sp>
+    </p:spTree>
+    <p:extLst>
+      <p:ext uri="{BB962C8B-B14F-4D97-AF65-F5344CB8AC3E}">
+        <p14:creationId xmlns:p14="http://schemas.microsoft.com/office/powerpoint/2010/main" val="2659105826"/>
+      </p:ext>
+    </p:extLst>
+  </p:cSld>
+  <p:clrMapOvr>
+    <a:masterClrMapping/>
+  </p:clrMapOvr>
+  <p:timing>
+    <p:tnLst>
+      <p:par>
+        <p:cTn id="1" dur="indefinite" restart="never" nodeType="tmRoot"/>
+      </p:par>
+    </p:tnLst>
+  </p:timing>
+</p:sld>
+</file>
+
+<file path=ppt/slides/slide22.xml><?xml version="1.0" encoding="utf-8"?>
+<p:sld xmlns:a="http://schemas.openxmlformats.org/drawingml/2006/main" xmlns:r="http://schemas.openxmlformats.org/officeDocument/2006/relationships" xmlns:p="http://schemas.openxmlformats.org/presentationml/2006/main">
+  <p:cSld>
+    <p:spTree>
+      <p:nvGrpSpPr>
+        <p:cNvPr id="1" name=""/>
+        <p:cNvGrpSpPr/>
+        <p:nvPr/>
+      </p:nvGrpSpPr>
+      <p:grpSpPr>
+        <a:xfrm>
+          <a:off x="0" y="0"/>
+          <a:ext cx="0" cy="0"/>
+          <a:chOff x="0" y="0"/>
+          <a:chExt cx="0" cy="0"/>
+        </a:xfrm>
+      </p:grpSpPr>
+      <p:sp>
+        <p:nvSpPr>
           <p:cNvPr id="2" name="標題 1"/>
           <p:cNvSpPr>
             <a:spLocks noGrp="1"/>
@@ -9101,11 +9255,7 @@
             </a:r>
             <a:r>
               <a:rPr lang="zh-TW" altLang="en-US" dirty="0" smtClean="0"/>
-              <a:t>，程式設計領域站在前人的肩膀上前進，愈來愈容易</a:t>
-            </a:r>
-            <a:r>
-              <a:rPr lang="zh-TW" altLang="en-US" smtClean="0"/>
-              <a:t>學！</a:t>
+              <a:t>，程式設計領域站在前人的肩膀上前進，愈來愈容易學！</a:t>
             </a:r>
             <a:endParaRPr lang="en-US" altLang="zh-TW" dirty="0" smtClean="0"/>
           </a:p>
@@ -9178,6 +9328,124 @@
           </a:p>
         </p:txBody>
       </p:sp>
+      <p:sp>
+        <p:nvSpPr>
+          <p:cNvPr id="3" name="矩形 2"/>
+          <p:cNvSpPr/>
+          <p:nvPr/>
+        </p:nvSpPr>
+        <p:spPr>
+          <a:xfrm>
+            <a:off x="3093683" y="1468735"/>
+            <a:ext cx="7138493" cy="923330"/>
+          </a:xfrm>
+          <a:prstGeom prst="rect">
+            <a:avLst/>
+          </a:prstGeom>
+          <a:noFill/>
+        </p:spPr>
+        <p:txBody>
+          <a:bodyPr wrap="none" lIns="91440" tIns="45720" rIns="91440" bIns="45720">
+            <a:spAutoFit/>
+          </a:bodyPr>
+          <a:lstStyle/>
+          <a:p>
+            <a:pPr algn="ctr"/>
+            <a:r>
+              <a:rPr lang="zh-TW" altLang="en-US" sz="5400" b="1" cap="none" spc="0" dirty="0" smtClean="0">
+                <a:ln w="13462">
+                  <a:solidFill>
+                    <a:srgbClr val="FFC000"/>
+                  </a:solidFill>
+                  <a:prstDash val="solid"/>
+                </a:ln>
+                <a:solidFill>
+                  <a:srgbClr val="FF0000"/>
+                </a:solidFill>
+                <a:effectLst>
+                  <a:outerShdw dist="38100" dir="2700000" algn="bl" rotWithShape="0">
+                    <a:schemeClr val="accent5"/>
+                  </a:outerShdw>
+                </a:effectLst>
+              </a:rPr>
+              <a:t>重點是：他還有</a:t>
+            </a:r>
+            <a:r>
+              <a:rPr lang="en-US" altLang="zh-TW" sz="5400" b="1" cap="none" spc="0" dirty="0" smtClean="0">
+                <a:ln w="13462">
+                  <a:solidFill>
+                    <a:srgbClr val="FFC000"/>
+                  </a:solidFill>
+                  <a:prstDash val="solid"/>
+                </a:ln>
+                <a:solidFill>
+                  <a:srgbClr val="FF0000"/>
+                </a:solidFill>
+                <a:effectLst>
+                  <a:outerShdw dist="38100" dir="2700000" algn="bl" rotWithShape="0">
+                    <a:schemeClr val="accent5"/>
+                  </a:outerShdw>
+                </a:effectLst>
+              </a:rPr>
+              <a:t>bug</a:t>
+            </a:r>
+            <a:r>
+              <a:rPr lang="zh-TW" altLang="en-US" sz="5400" b="1" cap="none" spc="0" dirty="0" smtClean="0">
+                <a:ln w="13462">
+                  <a:solidFill>
+                    <a:srgbClr val="FFC000"/>
+                  </a:solidFill>
+                  <a:prstDash val="solid"/>
+                </a:ln>
+                <a:solidFill>
+                  <a:srgbClr val="FF0000"/>
+                </a:solidFill>
+                <a:effectLst>
+                  <a:outerShdw dist="38100" dir="2700000" algn="bl" rotWithShape="0">
+                    <a:schemeClr val="accent5"/>
+                  </a:outerShdw>
+                </a:effectLst>
+              </a:rPr>
+              <a:t>啊</a:t>
+            </a:r>
+            <a:r>
+              <a:rPr lang="en-US" altLang="zh-TW" sz="5400" b="1" cap="none" spc="0" dirty="0" smtClean="0">
+                <a:ln w="13462">
+                  <a:solidFill>
+                    <a:srgbClr val="FFC000"/>
+                  </a:solidFill>
+                  <a:prstDash val="solid"/>
+                </a:ln>
+                <a:solidFill>
+                  <a:srgbClr val="FF0000"/>
+                </a:solidFill>
+                <a:effectLst>
+                  <a:outerShdw dist="38100" dir="2700000" algn="bl" rotWithShape="0">
+                    <a:schemeClr val="accent5"/>
+                  </a:outerShdw>
+                </a:effectLst>
+              </a:rPr>
+              <a:t>!</a:t>
+            </a:r>
+            <a:endParaRPr lang="zh-TW" altLang="en-US" sz="5400" b="1" cap="none" spc="0" dirty="0">
+              <a:ln w="13462">
+                <a:solidFill>
+                  <a:srgbClr val="FFC000"/>
+                </a:solidFill>
+                <a:prstDash val="solid"/>
+              </a:ln>
+              <a:solidFill>
+                <a:srgbClr val="FF0000"/>
+              </a:solidFill>
+              <a:effectLst>
+                <a:outerShdw dist="38100" dir="2700000" algn="bl" rotWithShape="0">
+                  <a:schemeClr val="accent5"/>
+                </a:outerShdw>
+              </a:effectLst>
+            </a:endParaRPr>
+          </a:p>
+        </p:txBody>
+      </p:sp>
     </p:spTree>
     <p:extLst>
       <p:ext uri="{BB962C8B-B14F-4D97-AF65-F5344CB8AC3E}">
@@ -9191,14 +9459,147 @@
   <p:timing>
     <p:tnLst>
       <p:par>
-        <p:cTn id="1" dur="indefinite" restart="never" nodeType="tmRoot"/>
+        <p:cTn id="1" dur="indefinite" restart="never" nodeType="tmRoot">
+          <p:childTnLst>
+            <p:seq concurrent="1" nextAc="seek">
+              <p:cTn id="2" dur="indefinite" nodeType="mainSeq">
+                <p:childTnLst>
+                  <p:par>
+                    <p:cTn id="3" fill="hold">
+                      <p:stCondLst>
+                        <p:cond delay="indefinite"/>
+                      </p:stCondLst>
+                      <p:childTnLst>
+                        <p:par>
+                          <p:cTn id="4" fill="hold">
+                            <p:stCondLst>
+                              <p:cond delay="0"/>
+                            </p:stCondLst>
+                            <p:childTnLst>
+                              <p:par>
+                                <p:cTn id="5" presetID="2" presetClass="entr" presetSubtype="4" fill="hold" grpId="0" nodeType="clickEffect">
+                                  <p:stCondLst>
+                                    <p:cond delay="0"/>
+                                  </p:stCondLst>
+                                  <p:childTnLst>
+                                    <p:set>
+                                      <p:cBhvr>
+                                        <p:cTn id="6" dur="1" fill="hold">
+                                          <p:stCondLst>
+                                            <p:cond delay="0"/>
+                                          </p:stCondLst>
+                                        </p:cTn>
+                                        <p:tgtEl>
+                                          <p:spTgt spid="3"/>
+                                        </p:tgtEl>
+                                        <p:attrNameLst>
+                                          <p:attrName>style.visibility</p:attrName>
+                                        </p:attrNameLst>
+                                      </p:cBhvr>
+                                      <p:to>
+                                        <p:strVal val="visible"/>
+                                      </p:to>
+                                    </p:set>
+                                    <p:anim calcmode="lin" valueType="num">
+                                      <p:cBhvr additive="base">
+                                        <p:cTn id="7" dur="500" fill="hold"/>
+                                        <p:tgtEl>
+                                          <p:spTgt spid="3"/>
+                                        </p:tgtEl>
+                                        <p:attrNameLst>
+                                          <p:attrName>ppt_x</p:attrName>
+                                        </p:attrNameLst>
+                                      </p:cBhvr>
+                                      <p:tavLst>
+                                        <p:tav tm="0">
+                                          <p:val>
+                                            <p:strVal val="#ppt_x"/>
+                                          </p:val>
+                                        </p:tav>
+                                        <p:tav tm="100000">
+                                          <p:val>
+                                            <p:strVal val="#ppt_x"/>
+                                          </p:val>
+                                        </p:tav>
+                                      </p:tavLst>
+                                    </p:anim>
+                                    <p:anim calcmode="lin" valueType="num">
+                                      <p:cBhvr additive="base">
+                                        <p:cTn id="8" dur="500" fill="hold"/>
+                                        <p:tgtEl>
+                                          <p:spTgt spid="3"/>
+                                        </p:tgtEl>
+                                        <p:attrNameLst>
+                                          <p:attrName>ppt_y</p:attrName>
+                                        </p:attrNameLst>
+                                      </p:cBhvr>
+                                      <p:tavLst>
+                                        <p:tav tm="0">
+                                          <p:val>
+                                            <p:strVal val="1+#ppt_h/2"/>
+                                          </p:val>
+                                        </p:tav>
+                                        <p:tav tm="100000">
+                                          <p:val>
+                                            <p:strVal val="#ppt_y"/>
+                                          </p:val>
+                                        </p:tav>
+                                      </p:tavLst>
+                                    </p:anim>
+                                  </p:childTnLst>
+                                  <p:subTnLst>
+                                    <p:set>
+                                      <p:cBhvr override="childStyle">
+                                        <p:cTn dur="1" fill="hold" display="0" masterRel="nextClick" afterEffect="1"/>
+                                        <p:tgtEl>
+                                          <p:spTgt spid="3"/>
+                                        </p:tgtEl>
+                                        <p:attrNameLst>
+                                          <p:attrName>style.visibility</p:attrName>
+                                        </p:attrNameLst>
+                                      </p:cBhvr>
+                                      <p:to>
+                                        <p:strVal val="hidden"/>
+                                      </p:to>
+                                    </p:set>
+                                  </p:subTnLst>
+                                </p:cTn>
+                              </p:par>
+                            </p:childTnLst>
+                          </p:cTn>
+                        </p:par>
+                      </p:childTnLst>
+                    </p:cTn>
+                  </p:par>
+                </p:childTnLst>
+              </p:cTn>
+              <p:prevCondLst>
+                <p:cond evt="onPrev" delay="0">
+                  <p:tgtEl>
+                    <p:sldTgt/>
+                  </p:tgtEl>
+                </p:cond>
+              </p:prevCondLst>
+              <p:nextCondLst>
+                <p:cond evt="onNext" delay="0">
+                  <p:tgtEl>
+                    <p:sldTgt/>
+                  </p:tgtEl>
+                </p:cond>
+              </p:nextCondLst>
+            </p:seq>
+          </p:childTnLst>
+        </p:cTn>
       </p:par>
     </p:tnLst>
+    <p:bldLst>
+      <p:bldP spid="3" grpId="0"/>
+    </p:bldLst>
   </p:timing>
 </p:sld>
 </file>
 
-<file path=ppt/slides/slide22.xml><?xml version="1.0" encoding="utf-8"?>
+<file path=ppt/slides/slide23.xml><?xml version="1.0" encoding="utf-8"?>
 <p:sld xmlns:a="http://schemas.openxmlformats.org/drawingml/2006/main" xmlns:r="http://schemas.openxmlformats.org/officeDocument/2006/relationships" xmlns:p="http://schemas.openxmlformats.org/presentationml/2006/main">
   <p:cSld>
     <p:spTree>
@@ -10554,7 +10955,7 @@
 </p:sld>
 </file>
 
-<file path=ppt/slides/slide23.xml><?xml version="1.0" encoding="utf-8"?>
+<file path=ppt/slides/slide24.xml><?xml version="1.0" encoding="utf-8"?>
 <p:sld xmlns:a="http://schemas.openxmlformats.org/drawingml/2006/main" xmlns:r="http://schemas.openxmlformats.org/officeDocument/2006/relationships" xmlns:p="http://schemas.openxmlformats.org/presentationml/2006/main">
   <p:cSld>
     <p:spTree>
@@ -13282,6 +13683,13 @@
   <p:clrMapOvr>
     <a:masterClrMapping/>
   </p:clrMapOvr>
+  <p:timing>
+    <p:tnLst>
+      <p:par>
+        <p:cTn id="1" dur="indefinite" restart="never" nodeType="tmRoot"/>
+      </p:par>
+    </p:tnLst>
+  </p:timing>
 </p:sld>
 </file>
 
@@ -13505,6 +13913,13 @@
   <p:clrMapOvr>
     <a:masterClrMapping/>
   </p:clrMapOvr>
+  <p:timing>
+    <p:tnLst>
+      <p:par>
+        <p:cTn id="1" dur="indefinite" restart="never" nodeType="tmRoot"/>
+      </p:par>
+    </p:tnLst>
+  </p:timing>
 </p:sld>
 </file>
 

--- a/LCC/Python/00b_Python簡介.pptx
+++ b/LCC/Python/00b_Python簡介.pptx
@@ -892,7 +892,7 @@
             <a:fld id="{B61BEF0D-F0BB-DE4B-95CE-6DB70DBA9567}" type="datetimeFigureOut">
               <a:rPr lang="en-US" smtClean="0"/>
               <a:pPr/>
-              <a:t>5/29/2021</a:t>
+              <a:t>11/15/2021</a:t>
             </a:fld>
             <a:endParaRPr lang="en-US" dirty="0"/>
           </a:p>
@@ -1145,7 +1145,7 @@
             <a:fld id="{B61BEF0D-F0BB-DE4B-95CE-6DB70DBA9567}" type="datetimeFigureOut">
               <a:rPr lang="en-US" smtClean="0"/>
               <a:pPr/>
-              <a:t>5/29/2021</a:t>
+              <a:t>11/15/2021</a:t>
             </a:fld>
             <a:endParaRPr lang="en-US" dirty="0"/>
           </a:p>
@@ -1461,7 +1461,7 @@
             <a:fld id="{B61BEF0D-F0BB-DE4B-95CE-6DB70DBA9567}" type="datetimeFigureOut">
               <a:rPr lang="en-US" smtClean="0"/>
               <a:pPr/>
-              <a:t>5/29/2021</a:t>
+              <a:t>11/15/2021</a:t>
             </a:fld>
             <a:endParaRPr lang="en-US" dirty="0"/>
           </a:p>
@@ -1796,7 +1796,7 @@
             <a:fld id="{B61BEF0D-F0BB-DE4B-95CE-6DB70DBA9567}" type="datetimeFigureOut">
               <a:rPr lang="en-US" smtClean="0"/>
               <a:pPr/>
-              <a:t>5/29/2021</a:t>
+              <a:t>11/15/2021</a:t>
             </a:fld>
             <a:endParaRPr lang="en-US" dirty="0"/>
           </a:p>
@@ -2112,7 +2112,7 @@
             <a:fld id="{B61BEF0D-F0BB-DE4B-95CE-6DB70DBA9567}" type="datetimeFigureOut">
               <a:rPr lang="en-US" smtClean="0"/>
               <a:pPr/>
-              <a:t>5/29/2021</a:t>
+              <a:t>11/15/2021</a:t>
             </a:fld>
             <a:endParaRPr lang="en-US" dirty="0"/>
           </a:p>
@@ -2507,7 +2507,7 @@
             <a:fld id="{B61BEF0D-F0BB-DE4B-95CE-6DB70DBA9567}" type="datetimeFigureOut">
               <a:rPr lang="en-US" smtClean="0"/>
               <a:pPr/>
-              <a:t>5/29/2021</a:t>
+              <a:t>11/15/2021</a:t>
             </a:fld>
             <a:endParaRPr lang="en-US" dirty="0"/>
           </a:p>
@@ -2678,7 +2678,7 @@
           <a:p>
             <a:fld id="{55C6B4A9-1611-4792-9094-5F34BCA07E0B}" type="datetimeFigureOut">
               <a:rPr lang="en-US" smtClean="0"/>
-              <a:t>5/29/2021</a:t>
+              <a:t>11/15/2021</a:t>
             </a:fld>
             <a:endParaRPr lang="en-US" dirty="0"/>
           </a:p>
@@ -2859,7 +2859,7 @@
             <a:fld id="{B61BEF0D-F0BB-DE4B-95CE-6DB70DBA9567}" type="datetimeFigureOut">
               <a:rPr lang="en-US" smtClean="0"/>
               <a:pPr/>
-              <a:t>5/29/2021</a:t>
+              <a:t>11/15/2021</a:t>
             </a:fld>
             <a:endParaRPr lang="en-US" dirty="0"/>
           </a:p>
@@ -3031,7 +3031,7 @@
             <a:fld id="{B61BEF0D-F0BB-DE4B-95CE-6DB70DBA9567}" type="datetimeFigureOut">
               <a:rPr lang="en-US" smtClean="0"/>
               <a:pPr/>
-              <a:t>5/29/2021</a:t>
+              <a:t>11/15/2021</a:t>
             </a:fld>
             <a:endParaRPr lang="en-US" dirty="0"/>
           </a:p>
@@ -3280,7 +3280,7 @@
             <a:fld id="{B61BEF0D-F0BB-DE4B-95CE-6DB70DBA9567}" type="datetimeFigureOut">
               <a:rPr lang="en-US" smtClean="0"/>
               <a:pPr/>
-              <a:t>5/29/2021</a:t>
+              <a:t>11/15/2021</a:t>
             </a:fld>
             <a:endParaRPr lang="en-US" dirty="0"/>
           </a:p>
@@ -3513,7 +3513,7 @@
           <a:p>
             <a:fld id="{EB712588-04B1-427B-82EE-E8DB90309F08}" type="datetimeFigureOut">
               <a:rPr lang="en-US" smtClean="0"/>
-              <a:t>5/29/2021</a:t>
+              <a:t>11/15/2021</a:t>
             </a:fld>
             <a:endParaRPr lang="en-US" dirty="0"/>
           </a:p>
@@ -3888,7 +3888,7 @@
             <a:fld id="{B61BEF0D-F0BB-DE4B-95CE-6DB70DBA9567}" type="datetimeFigureOut">
               <a:rPr lang="en-US" smtClean="0"/>
               <a:pPr/>
-              <a:t>5/29/2021</a:t>
+              <a:t>11/15/2021</a:t>
             </a:fld>
             <a:endParaRPr lang="en-US" dirty="0"/>
           </a:p>
@@ -4013,7 +4013,7 @@
             <a:fld id="{B61BEF0D-F0BB-DE4B-95CE-6DB70DBA9567}" type="datetimeFigureOut">
               <a:rPr lang="en-US" smtClean="0"/>
               <a:pPr/>
-              <a:t>5/29/2021</a:t>
+              <a:t>11/15/2021</a:t>
             </a:fld>
             <a:endParaRPr lang="en-US" dirty="0"/>
           </a:p>
@@ -4110,7 +4110,7 @@
             <a:fld id="{B61BEF0D-F0BB-DE4B-95CE-6DB70DBA9567}" type="datetimeFigureOut">
               <a:rPr lang="en-US" smtClean="0"/>
               <a:pPr/>
-              <a:t>5/29/2021</a:t>
+              <a:t>11/15/2021</a:t>
             </a:fld>
             <a:endParaRPr lang="en-US" dirty="0"/>
           </a:p>
@@ -4366,7 +4366,7 @@
           <a:p>
             <a:fld id="{42A54C80-263E-416B-A8E0-580EDEADCBDC}" type="datetimeFigureOut">
               <a:rPr lang="en-US" smtClean="0"/>
-              <a:t>5/29/2021</a:t>
+              <a:t>11/15/2021</a:t>
             </a:fld>
             <a:endParaRPr lang="en-US" dirty="0"/>
           </a:p>
@@ -4673,7 +4673,7 @@
             <a:fld id="{B61BEF0D-F0BB-DE4B-95CE-6DB70DBA9567}" type="datetimeFigureOut">
               <a:rPr lang="en-US" smtClean="0"/>
               <a:pPr/>
-              <a:t>5/29/2021</a:t>
+              <a:t>11/15/2021</a:t>
             </a:fld>
             <a:endParaRPr lang="en-US" dirty="0"/>
           </a:p>
@@ -5376,7 +5376,7 @@
             <a:fld id="{B61BEF0D-F0BB-DE4B-95CE-6DB70DBA9567}" type="datetimeFigureOut">
               <a:rPr lang="en-US" smtClean="0"/>
               <a:pPr/>
-              <a:t>5/29/2021</a:t>
+              <a:t>11/15/2021</a:t>
             </a:fld>
             <a:endParaRPr lang="en-US" dirty="0"/>
           </a:p>
@@ -5987,7 +5987,7 @@
           <a:p>
             <a:fld id="{F45BEF4E-E6DA-4F2D-99A2-66E946C36785}" type="datetime4">
               <a:rPr lang="zh-TW" altLang="zh-TW"/>
-              <a:t>110年5月29日星期六</a:t>
+              <a:t>110年11月15日星期一</a:t>
             </a:fld>
             <a:endParaRPr lang="zh-TW" altLang="en-US" dirty="0"/>
           </a:p>
@@ -6036,14 +6036,14 @@
       </p:pic>
       <p:sp>
         <p:nvSpPr>
-          <p:cNvPr id="5" name="文字方塊 4"/>
+          <p:cNvPr id="8" name="文字方塊 7"/>
           <p:cNvSpPr txBox="1"/>
           <p:nvPr/>
         </p:nvSpPr>
         <p:spPr>
           <a:xfrm>
-            <a:off x="393192" y="5622198"/>
-            <a:ext cx="4647426" cy="369332"/>
+            <a:off x="547154" y="5758951"/>
+            <a:ext cx="4487126" cy="369332"/>
           </a:xfrm>
           <a:prstGeom prst="rect">
             <a:avLst/>
@@ -6066,7 +6066,7 @@
             </a:r>
             <a:r>
               <a:rPr lang="en-US" altLang="zh-TW" dirty="0" smtClean="0"/>
-              <a:t>reurl.cc/Dg9Edm</a:t>
+              <a:t>reurl.cc/l5ADbl</a:t>
             </a:r>
             <a:endParaRPr lang="zh-TW" altLang="en-US" dirty="0"/>
           </a:p>
@@ -6074,7 +6074,7 @@
       </p:sp>
       <p:pic>
         <p:nvPicPr>
-          <p:cNvPr id="6" name="圖片 5"/>
+          <p:cNvPr id="9" name="圖片 8"/>
           <p:cNvPicPr>
             <a:picLocks noChangeAspect="1"/>
           </p:cNvPicPr>
@@ -6088,8 +6088,8 @@
         </p:blipFill>
         <p:spPr>
           <a:xfrm>
-            <a:off x="517017" y="4050833"/>
-            <a:ext cx="1428750" cy="1428750"/>
+            <a:off x="666764" y="3850825"/>
+            <a:ext cx="1882925" cy="1882925"/>
           </a:xfrm>
           <a:prstGeom prst="rect">
             <a:avLst/>

--- a/LCC/Python/00b_Python簡介.pptx
+++ b/LCC/Python/00b_Python簡介.pptx
@@ -892,7 +892,7 @@
             <a:fld id="{B61BEF0D-F0BB-DE4B-95CE-6DB70DBA9567}" type="datetimeFigureOut">
               <a:rPr lang="en-US" smtClean="0"/>
               <a:pPr/>
-              <a:t>11/15/2021</a:t>
+              <a:t>1/17/2022</a:t>
             </a:fld>
             <a:endParaRPr lang="en-US" dirty="0"/>
           </a:p>
@@ -1145,7 +1145,7 @@
             <a:fld id="{B61BEF0D-F0BB-DE4B-95CE-6DB70DBA9567}" type="datetimeFigureOut">
               <a:rPr lang="en-US" smtClean="0"/>
               <a:pPr/>
-              <a:t>11/15/2021</a:t>
+              <a:t>1/17/2022</a:t>
             </a:fld>
             <a:endParaRPr lang="en-US" dirty="0"/>
           </a:p>
@@ -1461,7 +1461,7 @@
             <a:fld id="{B61BEF0D-F0BB-DE4B-95CE-6DB70DBA9567}" type="datetimeFigureOut">
               <a:rPr lang="en-US" smtClean="0"/>
               <a:pPr/>
-              <a:t>11/15/2021</a:t>
+              <a:t>1/17/2022</a:t>
             </a:fld>
             <a:endParaRPr lang="en-US" dirty="0"/>
           </a:p>
@@ -1796,7 +1796,7 @@
             <a:fld id="{B61BEF0D-F0BB-DE4B-95CE-6DB70DBA9567}" type="datetimeFigureOut">
               <a:rPr lang="en-US" smtClean="0"/>
               <a:pPr/>
-              <a:t>11/15/2021</a:t>
+              <a:t>1/17/2022</a:t>
             </a:fld>
             <a:endParaRPr lang="en-US" dirty="0"/>
           </a:p>
@@ -2112,7 +2112,7 @@
             <a:fld id="{B61BEF0D-F0BB-DE4B-95CE-6DB70DBA9567}" type="datetimeFigureOut">
               <a:rPr lang="en-US" smtClean="0"/>
               <a:pPr/>
-              <a:t>11/15/2021</a:t>
+              <a:t>1/17/2022</a:t>
             </a:fld>
             <a:endParaRPr lang="en-US" dirty="0"/>
           </a:p>
@@ -2507,7 +2507,7 @@
             <a:fld id="{B61BEF0D-F0BB-DE4B-95CE-6DB70DBA9567}" type="datetimeFigureOut">
               <a:rPr lang="en-US" smtClean="0"/>
               <a:pPr/>
-              <a:t>11/15/2021</a:t>
+              <a:t>1/17/2022</a:t>
             </a:fld>
             <a:endParaRPr lang="en-US" dirty="0"/>
           </a:p>
@@ -2678,7 +2678,7 @@
           <a:p>
             <a:fld id="{55C6B4A9-1611-4792-9094-5F34BCA07E0B}" type="datetimeFigureOut">
               <a:rPr lang="en-US" smtClean="0"/>
-              <a:t>11/15/2021</a:t>
+              <a:t>1/17/2022</a:t>
             </a:fld>
             <a:endParaRPr lang="en-US" dirty="0"/>
           </a:p>
@@ -2859,7 +2859,7 @@
             <a:fld id="{B61BEF0D-F0BB-DE4B-95CE-6DB70DBA9567}" type="datetimeFigureOut">
               <a:rPr lang="en-US" smtClean="0"/>
               <a:pPr/>
-              <a:t>11/15/2021</a:t>
+              <a:t>1/17/2022</a:t>
             </a:fld>
             <a:endParaRPr lang="en-US" dirty="0"/>
           </a:p>
@@ -3031,7 +3031,7 @@
             <a:fld id="{B61BEF0D-F0BB-DE4B-95CE-6DB70DBA9567}" type="datetimeFigureOut">
               <a:rPr lang="en-US" smtClean="0"/>
               <a:pPr/>
-              <a:t>11/15/2021</a:t>
+              <a:t>1/17/2022</a:t>
             </a:fld>
             <a:endParaRPr lang="en-US" dirty="0"/>
           </a:p>
@@ -3280,7 +3280,7 @@
             <a:fld id="{B61BEF0D-F0BB-DE4B-95CE-6DB70DBA9567}" type="datetimeFigureOut">
               <a:rPr lang="en-US" smtClean="0"/>
               <a:pPr/>
-              <a:t>11/15/2021</a:t>
+              <a:t>1/17/2022</a:t>
             </a:fld>
             <a:endParaRPr lang="en-US" dirty="0"/>
           </a:p>
@@ -3513,7 +3513,7 @@
           <a:p>
             <a:fld id="{EB712588-04B1-427B-82EE-E8DB90309F08}" type="datetimeFigureOut">
               <a:rPr lang="en-US" smtClean="0"/>
-              <a:t>11/15/2021</a:t>
+              <a:t>1/17/2022</a:t>
             </a:fld>
             <a:endParaRPr lang="en-US" dirty="0"/>
           </a:p>
@@ -3888,7 +3888,7 @@
             <a:fld id="{B61BEF0D-F0BB-DE4B-95CE-6DB70DBA9567}" type="datetimeFigureOut">
               <a:rPr lang="en-US" smtClean="0"/>
               <a:pPr/>
-              <a:t>11/15/2021</a:t>
+              <a:t>1/17/2022</a:t>
             </a:fld>
             <a:endParaRPr lang="en-US" dirty="0"/>
           </a:p>
@@ -4013,7 +4013,7 @@
             <a:fld id="{B61BEF0D-F0BB-DE4B-95CE-6DB70DBA9567}" type="datetimeFigureOut">
               <a:rPr lang="en-US" smtClean="0"/>
               <a:pPr/>
-              <a:t>11/15/2021</a:t>
+              <a:t>1/17/2022</a:t>
             </a:fld>
             <a:endParaRPr lang="en-US" dirty="0"/>
           </a:p>
@@ -4110,7 +4110,7 @@
             <a:fld id="{B61BEF0D-F0BB-DE4B-95CE-6DB70DBA9567}" type="datetimeFigureOut">
               <a:rPr lang="en-US" smtClean="0"/>
               <a:pPr/>
-              <a:t>11/15/2021</a:t>
+              <a:t>1/17/2022</a:t>
             </a:fld>
             <a:endParaRPr lang="en-US" dirty="0"/>
           </a:p>
@@ -4366,7 +4366,7 @@
           <a:p>
             <a:fld id="{42A54C80-263E-416B-A8E0-580EDEADCBDC}" type="datetimeFigureOut">
               <a:rPr lang="en-US" smtClean="0"/>
-              <a:t>11/15/2021</a:t>
+              <a:t>1/17/2022</a:t>
             </a:fld>
             <a:endParaRPr lang="en-US" dirty="0"/>
           </a:p>
@@ -4673,7 +4673,7 @@
             <a:fld id="{B61BEF0D-F0BB-DE4B-95CE-6DB70DBA9567}" type="datetimeFigureOut">
               <a:rPr lang="en-US" smtClean="0"/>
               <a:pPr/>
-              <a:t>11/15/2021</a:t>
+              <a:t>1/17/2022</a:t>
             </a:fld>
             <a:endParaRPr lang="en-US" dirty="0"/>
           </a:p>
@@ -5376,7 +5376,7 @@
             <a:fld id="{B61BEF0D-F0BB-DE4B-95CE-6DB70DBA9567}" type="datetimeFigureOut">
               <a:rPr lang="en-US" smtClean="0"/>
               <a:pPr/>
-              <a:t>11/15/2021</a:t>
+              <a:t>1/17/2022</a:t>
             </a:fld>
             <a:endParaRPr lang="en-US" dirty="0"/>
           </a:p>
@@ -5500,6 +5500,35 @@
           </a:extLst>
         </p:spPr>
       </p:pic>
+      <p:sp>
+        <p:nvSpPr>
+          <p:cNvPr id="7" name="矩形 6"/>
+          <p:cNvSpPr/>
+          <p:nvPr userDrawn="1"/>
+        </p:nvSpPr>
+        <p:spPr>
+          <a:xfrm>
+            <a:off x="383650" y="6488668"/>
+            <a:ext cx="2789546" cy="369332"/>
+          </a:xfrm>
+          <a:prstGeom prst="rect">
+            <a:avLst/>
+          </a:prstGeom>
+        </p:spPr>
+        <p:txBody>
+          <a:bodyPr wrap="none">
+            <a:spAutoFit/>
+          </a:bodyPr>
+          <a:lstStyle/>
+          <a:p>
+            <a:r>
+              <a:rPr lang="en-US" altLang="zh-TW" dirty="0" smtClean="0"/>
+              <a:t>https://reurl.cc/MbkNaK</a:t>
+            </a:r>
+            <a:endParaRPr lang="zh-TW" altLang="en-US" dirty="0"/>
+          </a:p>
+        </p:txBody>
+      </p:sp>
     </p:spTree>
     <p:extLst>
       <p:ext uri="{BB962C8B-B14F-4D97-AF65-F5344CB8AC3E}">
@@ -5987,7 +6016,7 @@
           <a:p>
             <a:fld id="{F45BEF4E-E6DA-4F2D-99A2-66E946C36785}" type="datetime4">
               <a:rPr lang="zh-TW" altLang="zh-TW"/>
-              <a:t>110年11月15日星期一</a:t>
+              <a:t>111年1月17日星期一</a:t>
             </a:fld>
             <a:endParaRPr lang="zh-TW" altLang="en-US" dirty="0"/>
           </a:p>
@@ -5995,7 +6024,7 @@
       </p:sp>
       <p:pic>
         <p:nvPicPr>
-          <p:cNvPr id="1026" name="Picture 2" descr="upload.wikimedia.org/wikipedia/commons/thumb/f/..."/>
+          <p:cNvPr id="9" name="Picture 2" descr="upload.wikimedia.org/wikipedia/commons/thumb/f/..."/>
           <p:cNvPicPr>
             <a:picLocks noChangeAspect="1" noChangeArrowheads="1"/>
           </p:cNvPicPr>
@@ -6016,8 +6045,8 @@
         </p:blipFill>
         <p:spPr bwMode="auto">
           <a:xfrm>
-            <a:off x="996823" y="1065247"/>
-            <a:ext cx="6007481" cy="1782219"/>
+            <a:off x="528866" y="4993541"/>
+            <a:ext cx="4743328" cy="1407187"/>
           </a:xfrm>
           <a:prstGeom prst="rect">
             <a:avLst/>
@@ -6036,14 +6065,14 @@
       </p:pic>
       <p:sp>
         <p:nvSpPr>
-          <p:cNvPr id="8" name="文字方塊 7"/>
+          <p:cNvPr id="10" name="文字方塊 9"/>
           <p:cNvSpPr txBox="1"/>
           <p:nvPr/>
         </p:nvSpPr>
         <p:spPr>
           <a:xfrm>
-            <a:off x="547154" y="5758951"/>
-            <a:ext cx="4487126" cy="369332"/>
+            <a:off x="528866" y="341708"/>
+            <a:ext cx="4636206" cy="369332"/>
           </a:xfrm>
           <a:prstGeom prst="rect">
             <a:avLst/>
@@ -6062,11 +6091,7 @@
             </a:r>
             <a:r>
               <a:rPr lang="en-US" altLang="zh-TW" dirty="0"/>
-              <a:t>https://</a:t>
-            </a:r>
-            <a:r>
-              <a:rPr lang="en-US" altLang="zh-TW" dirty="0" smtClean="0"/>
-              <a:t>reurl.cc/l5ADbl</a:t>
+              <a:t>https://reurl.cc/MbkNaK</a:t>
             </a:r>
             <a:endParaRPr lang="zh-TW" altLang="en-US" dirty="0"/>
           </a:p>
@@ -6074,22 +6099,28 @@
       </p:sp>
       <p:pic>
         <p:nvPicPr>
-          <p:cNvPr id="9" name="圖片 8"/>
+          <p:cNvPr id="11" name="圖片 10"/>
           <p:cNvPicPr>
             <a:picLocks noChangeAspect="1"/>
           </p:cNvPicPr>
           <p:nvPr/>
         </p:nvPicPr>
         <p:blipFill>
-          <a:blip r:embed="rId3"/>
+          <a:blip r:embed="rId3">
+            <a:extLst>
+              <a:ext uri="{28A0092B-C50C-407E-A947-70E740481C1C}">
+                <a14:useLocalDpi xmlns:a14="http://schemas.microsoft.com/office/drawing/2010/main" val="0"/>
+              </a:ext>
+            </a:extLst>
+          </a:blip>
           <a:stretch>
             <a:fillRect/>
           </a:stretch>
         </p:blipFill>
         <p:spPr>
           <a:xfrm>
-            <a:off x="666764" y="3850825"/>
-            <a:ext cx="1882925" cy="1882925"/>
+            <a:off x="792692" y="711040"/>
+            <a:ext cx="1428750" cy="1428750"/>
           </a:xfrm>
           <a:prstGeom prst="rect">
             <a:avLst/>
@@ -9336,7 +9367,7 @@
         </p:nvSpPr>
         <p:spPr>
           <a:xfrm>
-            <a:off x="3093683" y="1468735"/>
+            <a:off x="4593299" y="3858628"/>
             <a:ext cx="7138493" cy="923330"/>
           </a:xfrm>
           <a:prstGeom prst="rect">
